--- a/Notes/sage_sco_git_react_demo.pptx
+++ b/Notes/sage_sco_git_react_demo.pptx
@@ -232,7 +232,7 @@
           <a:p>
             <a:fld id="{C3019174-BAC7-2A41-BEBC-BA622811B7B0}" type="datetimeFigureOut">
               <a:rPr lang="en-US" smtClean="0"/>
-              <a:t>10/31/2018</a:t>
+              <a:t>11/15/2018</a:t>
             </a:fld>
             <a:endParaRPr lang="en-US"/>
           </a:p>
@@ -1560,7 +1560,7 @@
           <a:p>
             <a:fld id="{59F05FF0-9FBF-0846-AC52-DA5DBDFD9990}" type="datetimeFigureOut">
               <a:rPr lang="en-US" smtClean="0"/>
-              <a:t>10/31/2018</a:t>
+              <a:t>11/15/2018</a:t>
             </a:fld>
             <a:endParaRPr lang="en-US"/>
           </a:p>
@@ -1730,7 +1730,7 @@
           <a:p>
             <a:fld id="{59F05FF0-9FBF-0846-AC52-DA5DBDFD9990}" type="datetimeFigureOut">
               <a:rPr lang="en-US" smtClean="0"/>
-              <a:t>10/31/2018</a:t>
+              <a:t>11/15/2018</a:t>
             </a:fld>
             <a:endParaRPr lang="en-US"/>
           </a:p>
@@ -2129,7 +2129,7 @@
           <a:p>
             <a:fld id="{59F05FF0-9FBF-0846-AC52-DA5DBDFD9990}" type="datetimeFigureOut">
               <a:rPr lang="en-US" smtClean="0"/>
-              <a:t>10/31/2018</a:t>
+              <a:t>11/15/2018</a:t>
             </a:fld>
             <a:endParaRPr lang="en-US"/>
           </a:p>
@@ -2286,7 +2286,7 @@
           <a:p>
             <a:fld id="{59F05FF0-9FBF-0846-AC52-DA5DBDFD9990}" type="datetimeFigureOut">
               <a:rPr lang="en-US" smtClean="0"/>
-              <a:t>10/31/2018</a:t>
+              <a:t>11/15/2018</a:t>
             </a:fld>
             <a:endParaRPr lang="en-US"/>
           </a:p>
@@ -2443,7 +2443,7 @@
           <a:p>
             <a:fld id="{59F05FF0-9FBF-0846-AC52-DA5DBDFD9990}" type="datetimeFigureOut">
               <a:rPr lang="en-US" smtClean="0"/>
-              <a:t>10/31/2018</a:t>
+              <a:t>11/15/2018</a:t>
             </a:fld>
             <a:endParaRPr lang="en-US"/>
           </a:p>
@@ -2584,14 +2584,14 @@
           </a:effectLst>
           <a:extLst>
             <a:ext uri="{909E8E84-426E-40dd-AFC4-6F175D3DCCD1}">
-              <a14:hiddenFill xmlns:a14="http://schemas.microsoft.com/office/drawing/2010/main" xmlns="">
+              <a14:hiddenFill xmlns="" xmlns:a14="http://schemas.microsoft.com/office/drawing/2010/main">
                 <a:solidFill>
                   <a:srgbClr val="FFFFFF"/>
                 </a:solidFill>
               </a14:hiddenFill>
             </a:ext>
             <a:ext uri="{91240B29-F687-4f45-9708-019B960494DF}">
-              <a14:hiddenLine xmlns:a14="http://schemas.microsoft.com/office/drawing/2010/main" xmlns="" w="9525">
+              <a14:hiddenLine xmlns="" xmlns:a14="http://schemas.microsoft.com/office/drawing/2010/main" w="9525">
                 <a:solidFill>
                   <a:srgbClr val="000000"/>
                 </a:solidFill>
@@ -2738,14 +2738,14 @@
           </a:effectLst>
           <a:extLst>
             <a:ext uri="{909E8E84-426E-40dd-AFC4-6F175D3DCCD1}">
-              <a14:hiddenFill xmlns:a14="http://schemas.microsoft.com/office/drawing/2010/main" xmlns="">
+              <a14:hiddenFill xmlns="" xmlns:a14="http://schemas.microsoft.com/office/drawing/2010/main">
                 <a:solidFill>
                   <a:srgbClr val="FFFFFF"/>
                 </a:solidFill>
               </a14:hiddenFill>
             </a:ext>
             <a:ext uri="{91240B29-F687-4f45-9708-019B960494DF}">
-              <a14:hiddenLine xmlns:a14="http://schemas.microsoft.com/office/drawing/2010/main" xmlns="" w="9525">
+              <a14:hiddenLine xmlns="" xmlns:a14="http://schemas.microsoft.com/office/drawing/2010/main" w="9525">
                 <a:solidFill>
                   <a:srgbClr val="000000"/>
                 </a:solidFill>
@@ -3553,11 +3553,6 @@
               </a:rPr>
               <a:t>November 15, 2018</a:t>
             </a:r>
-            <a:endParaRPr lang="en-US" b="1" dirty="0">
-              <a:solidFill>
-                <a:schemeClr val="bg1"/>
-              </a:solidFill>
-            </a:endParaRPr>
           </a:p>
         </p:txBody>
       </p:sp>
@@ -5615,7 +5610,7 @@
         <p:spPr>
           <a:xfrm>
             <a:off x="460374" y="1447800"/>
-            <a:ext cx="9521825" cy="2677656"/>
+            <a:ext cx="9521825" cy="4832092"/>
           </a:xfrm>
           <a:prstGeom prst="rect">
             <a:avLst/>
@@ -5755,14 +5750,62 @@
               </a:rPr>
               <a:t>code.visualstudio.com/download</a:t>
             </a:r>
+            <a:endParaRPr lang="en-US" sz="2800" dirty="0" smtClean="0">
+              <a:solidFill>
+                <a:srgbClr val="212121"/>
+              </a:solidFill>
+            </a:endParaRPr>
+          </a:p>
+          <a:p>
+            <a:pPr marL="742950" lvl="1" indent="-285750">
+              <a:buFont typeface="Arial" panose="020B0604020202020204" pitchFamily="34" charset="0"/>
+              <a:buChar char="•"/>
+            </a:pPr>
+            <a:endParaRPr lang="en-US" sz="2800" dirty="0">
+              <a:solidFill>
+                <a:srgbClr val="212121"/>
+              </a:solidFill>
+            </a:endParaRPr>
+          </a:p>
+          <a:p>
+            <a:pPr lvl="1"/>
+            <a:endParaRPr lang="en-US" sz="2800" dirty="0">
+              <a:solidFill>
+                <a:srgbClr val="212121"/>
+              </a:solidFill>
+            </a:endParaRPr>
+          </a:p>
+          <a:p>
+            <a:pPr lvl="1"/>
+            <a:endParaRPr lang="en-US" sz="2800" dirty="0" smtClean="0">
+              <a:solidFill>
+                <a:srgbClr val="212121"/>
+              </a:solidFill>
+            </a:endParaRPr>
+          </a:p>
+          <a:p>
+            <a:pPr lvl="1"/>
             <a:r>
               <a:rPr lang="en-US" sz="2800" dirty="0" smtClean="0">
                 <a:solidFill>
                   <a:srgbClr val="212121"/>
                 </a:solidFill>
               </a:rPr>
-              <a:t> </a:t>
-            </a:r>
+              <a:t>The video that was shown during the presentation </a:t>
+            </a:r>
+            <a:r>
+              <a:rPr lang="en-US" sz="2800" smtClean="0">
+                <a:solidFill>
+                  <a:srgbClr val="212121"/>
+                </a:solidFill>
+              </a:rPr>
+              <a:t>is located at:  </a:t>
+            </a:r>
+            <a:endParaRPr lang="en-US" sz="2800" dirty="0" smtClean="0">
+              <a:solidFill>
+                <a:srgbClr val="212121"/>
+              </a:solidFill>
+            </a:endParaRPr>
           </a:p>
         </p:txBody>
       </p:sp>

--- a/Notes/sage_sco_git_react_demo.pptx
+++ b/Notes/sage_sco_git_react_demo.pptx
@@ -2584,14 +2584,14 @@
           </a:effectLst>
           <a:extLst>
             <a:ext uri="{909E8E84-426E-40dd-AFC4-6F175D3DCCD1}">
-              <a14:hiddenFill xmlns="" xmlns:a14="http://schemas.microsoft.com/office/drawing/2010/main">
+              <a14:hiddenFill xmlns:a14="http://schemas.microsoft.com/office/drawing/2010/main" xmlns="">
                 <a:solidFill>
                   <a:srgbClr val="FFFFFF"/>
                 </a:solidFill>
               </a14:hiddenFill>
             </a:ext>
             <a:ext uri="{91240B29-F687-4f45-9708-019B960494DF}">
-              <a14:hiddenLine xmlns="" xmlns:a14="http://schemas.microsoft.com/office/drawing/2010/main" w="9525">
+              <a14:hiddenLine xmlns:a14="http://schemas.microsoft.com/office/drawing/2010/main" xmlns="" w="9525">
                 <a:solidFill>
                   <a:srgbClr val="000000"/>
                 </a:solidFill>
@@ -2738,14 +2738,14 @@
           </a:effectLst>
           <a:extLst>
             <a:ext uri="{909E8E84-426E-40dd-AFC4-6F175D3DCCD1}">
-              <a14:hiddenFill xmlns="" xmlns:a14="http://schemas.microsoft.com/office/drawing/2010/main">
+              <a14:hiddenFill xmlns:a14="http://schemas.microsoft.com/office/drawing/2010/main" xmlns="">
                 <a:solidFill>
                   <a:srgbClr val="FFFFFF"/>
                 </a:solidFill>
               </a14:hiddenFill>
             </a:ext>
             <a:ext uri="{91240B29-F687-4f45-9708-019B960494DF}">
-              <a14:hiddenLine xmlns="" xmlns:a14="http://schemas.microsoft.com/office/drawing/2010/main" w="9525">
+              <a14:hiddenLine xmlns:a14="http://schemas.microsoft.com/office/drawing/2010/main" xmlns="" w="9525">
                 <a:solidFill>
                   <a:srgbClr val="000000"/>
                 </a:solidFill>
@@ -5610,7 +5610,7 @@
         <p:spPr>
           <a:xfrm>
             <a:off x="460374" y="1447800"/>
-            <a:ext cx="9521825" cy="4832092"/>
+            <a:ext cx="11426826" cy="5262979"/>
           </a:xfrm>
           <a:prstGeom prst="rect">
             <a:avLst/>
@@ -5791,15 +5791,33 @@
                   <a:srgbClr val="212121"/>
                 </a:solidFill>
               </a:rPr>
-              <a:t>The video that was shown during the presentation </a:t>
-            </a:r>
-            <a:r>
-              <a:rPr lang="en-US" sz="2800" smtClean="0">
+              <a:t>The video that was shown during the presentation is located at:  </a:t>
+            </a:r>
+            <a:r>
+              <a:rPr lang="en-US" sz="2800" dirty="0">
                 <a:solidFill>
                   <a:srgbClr val="212121"/>
                 </a:solidFill>
+                <a:hlinkClick r:id="rId6"/>
               </a:rPr>
-              <a:t>is located at:  </a:t>
+              <a:t>https://</a:t>
+            </a:r>
+            <a:r>
+              <a:rPr lang="en-US" sz="2800" dirty="0" smtClean="0">
+                <a:solidFill>
+                  <a:srgbClr val="212121"/>
+                </a:solidFill>
+                <a:hlinkClick r:id="rId6"/>
+              </a:rPr>
+              <a:t>github.com/billyz313/react_demo/raw/master/Notes/React_Demo.mp4</a:t>
+            </a:r>
+            <a:r>
+              <a:rPr lang="en-US" sz="2800" dirty="0" smtClean="0">
+                <a:solidFill>
+                  <a:srgbClr val="212121"/>
+                </a:solidFill>
+              </a:rPr>
+              <a:t> </a:t>
             </a:r>
             <a:endParaRPr lang="en-US" sz="2800" dirty="0" smtClean="0">
               <a:solidFill>
